--- a/Модели данных/Презентация.pptx
+++ b/Модели данных/Презентация.pptx
@@ -10,6 +10,8 @@
     <p:sldId id="258" r:id="rId4"/>
     <p:sldId id="259" r:id="rId5"/>
     <p:sldId id="260" r:id="rId6"/>
+    <p:sldId id="261" r:id="rId7"/>
+    <p:sldId id="262" r:id="rId8"/>
   </p:sldIdLst>
   <p:sldSz cx="12192000" cy="6858000"/>
   <p:notesSz cx="6858000" cy="9144000"/>
@@ -108,6 +110,11 @@
       </a:defRPr>
     </a:lvl9pPr>
   </p:defaultTextStyle>
+  <p:extLst>
+    <p:ext uri="{EFAFB233-063F-42B5-8137-9DF3F51BA10A}">
+      <p15:sldGuideLst xmlns:p15="http://schemas.microsoft.com/office/powerpoint/2012/main"/>
+    </p:ext>
+  </p:extLst>
 </p:presentation>
 </file>
 
@@ -3001,11 +3008,32 @@
             <p:ph type="subTitle" idx="1"/>
           </p:nvPr>
         </p:nvSpPr>
-        <p:spPr/>
-        <p:txBody>
-          <a:bodyPr/>
-          <a:lstStyle/>
-          <a:p>
+        <p:spPr>
+          <a:xfrm>
+            <a:off x="7620000" y="5556068"/>
+            <a:ext cx="4171406" cy="955766"/>
+          </a:xfrm>
+        </p:spPr>
+        <p:txBody>
+          <a:bodyPr/>
+          <a:lstStyle/>
+          <a:p>
+            <a:pPr algn="r"/>
+            <a:r>
+              <a:rPr lang="ru-RU" dirty="0" smtClean="0"/>
+              <a:t>Подготовил:</a:t>
+            </a:r>
+          </a:p>
+          <a:p>
+            <a:pPr algn="r"/>
+            <a:r>
+              <a:rPr lang="ru-RU" dirty="0" smtClean="0"/>
+              <a:t>студент ИВТ-363</a:t>
+            </a:r>
+            <a:r>
+              <a:rPr lang="ru-RU" dirty="0" smtClean="0"/>
+              <a:t> Авдосев Н.Г.</a:t>
+            </a:r>
             <a:endParaRPr lang="ru-RU" dirty="0"/>
           </a:p>
         </p:txBody>
@@ -3381,7 +3409,11 @@
           <a:bodyPr/>
           <a:lstStyle/>
           <a:p>
-            <a:endParaRPr lang="ru-RU"/>
+            <a:r>
+              <a:rPr lang="ru-RU" dirty="0"/>
+              <a:t>Сетевая модель данных</a:t>
+            </a:r>
+            <a:endParaRPr lang="ru-RU" dirty="0"/>
           </a:p>
         </p:txBody>
       </p:sp>
@@ -3395,12 +3427,84 @@
             <p:ph idx="1"/>
           </p:nvPr>
         </p:nvSpPr>
-        <p:spPr/>
-        <p:txBody>
-          <a:bodyPr/>
-          <a:lstStyle/>
-          <a:p>
-            <a:endParaRPr lang="ru-RU"/>
+        <p:spPr>
+          <a:xfrm>
+            <a:off x="838200" y="1825625"/>
+            <a:ext cx="10515600" cy="1675221"/>
+          </a:xfrm>
+        </p:spPr>
+        <p:txBody>
+          <a:bodyPr/>
+          <a:lstStyle/>
+          <a:p>
+            <a:pPr marL="0" indent="0">
+              <a:buNone/>
+            </a:pPr>
+            <a:r>
+              <a:rPr lang="ru-RU" dirty="0"/>
+              <a:t>Сетевая модель данных основана на тех же основных понятиях (уровень, узел, связь), что и иерархическая модель, но в сетевой модели каждый узел может быть связан с любым другим узлом</a:t>
+            </a:r>
+            <a:r>
+              <a:rPr lang="ru-RU" dirty="0" smtClean="0"/>
+              <a:t>.</a:t>
+            </a:r>
+            <a:endParaRPr lang="ru-RU" dirty="0"/>
+          </a:p>
+        </p:txBody>
+      </p:sp>
+      <p:pic>
+        <p:nvPicPr>
+          <p:cNvPr id="4" name="Рисунок 3"/>
+          <p:cNvPicPr>
+            <a:picLocks noChangeAspect="1"/>
+          </p:cNvPicPr>
+          <p:nvPr/>
+        </p:nvPicPr>
+        <p:blipFill>
+          <a:blip r:embed="rId2"/>
+          <a:stretch>
+            <a:fillRect/>
+          </a:stretch>
+        </p:blipFill>
+        <p:spPr>
+          <a:xfrm>
+            <a:off x="3430736" y="3374572"/>
+            <a:ext cx="5330527" cy="2891246"/>
+          </a:xfrm>
+          <a:prstGeom prst="rect">
+            <a:avLst/>
+          </a:prstGeom>
+        </p:spPr>
+      </p:pic>
+      <p:sp>
+        <p:nvSpPr>
+          <p:cNvPr id="5" name="Прямоугольник 4"/>
+          <p:cNvSpPr/>
+          <p:nvPr/>
+        </p:nvSpPr>
+        <p:spPr>
+          <a:xfrm>
+            <a:off x="3431615" y="6265818"/>
+            <a:ext cx="5329648" cy="369332"/>
+          </a:xfrm>
+          <a:prstGeom prst="rect">
+            <a:avLst/>
+          </a:prstGeom>
+        </p:spPr>
+        <p:txBody>
+          <a:bodyPr wrap="square">
+            <a:spAutoFit/>
+          </a:bodyPr>
+          <a:lstStyle/>
+          <a:p>
+            <a:r>
+              <a:rPr lang="ru-RU" dirty="0" smtClean="0"/>
+              <a:t>Схематичная сетевая </a:t>
+            </a:r>
+            <a:r>
+              <a:rPr lang="ru-RU" dirty="0"/>
+              <a:t>структура организации данных</a:t>
+            </a:r>
           </a:p>
         </p:txBody>
       </p:sp>
@@ -3408,6 +3512,259 @@
     <p:extLst>
       <p:ext uri="{BB962C8B-B14F-4D97-AF65-F5344CB8AC3E}">
         <p14:creationId xmlns:p14="http://schemas.microsoft.com/office/powerpoint/2010/main" val="130609057"/>
+      </p:ext>
+    </p:extLst>
+  </p:cSld>
+  <p:clrMapOvr>
+    <a:masterClrMapping/>
+  </p:clrMapOvr>
+</p:sld>
+</file>
+
+<file path=ppt/slides/slide6.xml><?xml version="1.0" encoding="utf-8"?>
+<p:sld xmlns:a="http://schemas.openxmlformats.org/drawingml/2006/main" xmlns:r="http://schemas.openxmlformats.org/officeDocument/2006/relationships" xmlns:p="http://schemas.openxmlformats.org/presentationml/2006/main">
+  <p:cSld>
+    <p:spTree>
+      <p:nvGrpSpPr>
+        <p:cNvPr id="1" name=""/>
+        <p:cNvGrpSpPr/>
+        <p:nvPr/>
+      </p:nvGrpSpPr>
+      <p:grpSpPr>
+        <a:xfrm>
+          <a:off x="0" y="0"/>
+          <a:ext cx="0" cy="0"/>
+          <a:chOff x="0" y="0"/>
+          <a:chExt cx="0" cy="0"/>
+        </a:xfrm>
+      </p:grpSpPr>
+      <p:sp>
+        <p:nvSpPr>
+          <p:cNvPr id="2" name="Заголовок 1"/>
+          <p:cNvSpPr>
+            <a:spLocks noGrp="1"/>
+          </p:cNvSpPr>
+          <p:nvPr>
+            <p:ph type="title"/>
+          </p:nvPr>
+        </p:nvSpPr>
+        <p:spPr/>
+        <p:txBody>
+          <a:bodyPr/>
+          <a:lstStyle/>
+          <a:p>
+            <a:r>
+              <a:rPr lang="ru-RU" dirty="0" smtClean="0"/>
+              <a:t>Реляционная модель данных</a:t>
+            </a:r>
+            <a:endParaRPr lang="ru-RU" dirty="0"/>
+          </a:p>
+        </p:txBody>
+      </p:sp>
+      <p:sp>
+        <p:nvSpPr>
+          <p:cNvPr id="3" name="Объект 2"/>
+          <p:cNvSpPr>
+            <a:spLocks noGrp="1"/>
+          </p:cNvSpPr>
+          <p:nvPr>
+            <p:ph idx="1"/>
+          </p:nvPr>
+        </p:nvSpPr>
+        <p:spPr/>
+        <p:txBody>
+          <a:bodyPr>
+            <a:normAutofit fontScale="92500"/>
+          </a:bodyPr>
+          <a:lstStyle/>
+          <a:p>
+            <a:pPr marL="0" indent="0">
+              <a:buNone/>
+            </a:pPr>
+            <a:r>
+              <a:rPr lang="ru-RU" dirty="0"/>
+              <a:t>Реляционная модель данных использует организацию данных в виде двумерных таблиц. Каждая такая таблица, называемая реляционной таблицей или отношением, представляет собой двумерный </a:t>
+            </a:r>
+            <a:r>
+              <a:rPr lang="ru-RU" dirty="0" smtClean="0"/>
+              <a:t>массив </a:t>
+            </a:r>
+            <a:r>
+              <a:rPr lang="ru-RU" dirty="0"/>
+              <a:t>и обладает следующими свойствами</a:t>
+            </a:r>
+            <a:r>
+              <a:rPr lang="ru-RU" dirty="0" smtClean="0"/>
+              <a:t>:</a:t>
+            </a:r>
+          </a:p>
+          <a:p>
+            <a:r>
+              <a:rPr lang="ru-RU" dirty="0"/>
+              <a:t>все столбцы в таблице однородные, т.е. все элементы в одном столбце имеют одинаковый тип и максимально допустимый размер; </a:t>
+            </a:r>
+            <a:endParaRPr lang="ru-RU" dirty="0" smtClean="0"/>
+          </a:p>
+          <a:p>
+            <a:r>
+              <a:rPr lang="ru-RU" dirty="0" smtClean="0"/>
+              <a:t>каждый </a:t>
+            </a:r>
+            <a:r>
+              <a:rPr lang="ru-RU" dirty="0"/>
+              <a:t>столбец имеет уникальное имя; </a:t>
+            </a:r>
+            <a:endParaRPr lang="ru-RU" dirty="0" smtClean="0"/>
+          </a:p>
+          <a:p>
+            <a:r>
+              <a:rPr lang="ru-RU" dirty="0" smtClean="0"/>
+              <a:t>одинаковые </a:t>
+            </a:r>
+            <a:r>
+              <a:rPr lang="ru-RU" dirty="0"/>
+              <a:t>строки в таблице отсутствуют; </a:t>
+            </a:r>
+            <a:endParaRPr lang="ru-RU" dirty="0" smtClean="0"/>
+          </a:p>
+          <a:p>
+            <a:r>
+              <a:rPr lang="ru-RU" dirty="0" smtClean="0"/>
+              <a:t>порядок </a:t>
+            </a:r>
+            <a:r>
+              <a:rPr lang="ru-RU" dirty="0"/>
+              <a:t>следования строк и столбцов в таблице не имеет значения.</a:t>
+            </a:r>
+          </a:p>
+        </p:txBody>
+      </p:sp>
+    </p:spTree>
+    <p:extLst>
+      <p:ext uri="{BB962C8B-B14F-4D97-AF65-F5344CB8AC3E}">
+        <p14:creationId xmlns:p14="http://schemas.microsoft.com/office/powerpoint/2010/main" val="345366949"/>
+      </p:ext>
+    </p:extLst>
+  </p:cSld>
+  <p:clrMapOvr>
+    <a:masterClrMapping/>
+  </p:clrMapOvr>
+</p:sld>
+</file>
+
+<file path=ppt/slides/slide7.xml><?xml version="1.0" encoding="utf-8"?>
+<p:sld xmlns:a="http://schemas.openxmlformats.org/drawingml/2006/main" xmlns:r="http://schemas.openxmlformats.org/officeDocument/2006/relationships" xmlns:p="http://schemas.openxmlformats.org/presentationml/2006/main">
+  <p:cSld>
+    <p:spTree>
+      <p:nvGrpSpPr>
+        <p:cNvPr id="1" name=""/>
+        <p:cNvGrpSpPr/>
+        <p:nvPr/>
+      </p:nvGrpSpPr>
+      <p:grpSpPr>
+        <a:xfrm>
+          <a:off x="0" y="0"/>
+          <a:ext cx="0" cy="0"/>
+          <a:chOff x="0" y="0"/>
+          <a:chExt cx="0" cy="0"/>
+        </a:xfrm>
+      </p:grpSpPr>
+      <p:sp>
+        <p:nvSpPr>
+          <p:cNvPr id="2" name="Заголовок 1"/>
+          <p:cNvSpPr>
+            <a:spLocks noGrp="1"/>
+          </p:cNvSpPr>
+          <p:nvPr>
+            <p:ph type="title"/>
+          </p:nvPr>
+        </p:nvSpPr>
+        <p:spPr/>
+        <p:txBody>
+          <a:bodyPr/>
+          <a:lstStyle/>
+          <a:p>
+            <a:r>
+              <a:rPr lang="ru-RU" dirty="0" smtClean="0"/>
+              <a:t>Структура реляционной модели</a:t>
+            </a:r>
+            <a:endParaRPr lang="ru-RU" dirty="0"/>
+          </a:p>
+        </p:txBody>
+      </p:sp>
+      <p:sp>
+        <p:nvSpPr>
+          <p:cNvPr id="3" name="Объект 2"/>
+          <p:cNvSpPr>
+            <a:spLocks noGrp="1"/>
+          </p:cNvSpPr>
+          <p:nvPr>
+            <p:ph idx="1"/>
+          </p:nvPr>
+        </p:nvSpPr>
+        <p:spPr>
+          <a:xfrm>
+            <a:off x="838200" y="1690688"/>
+            <a:ext cx="10515600" cy="2807335"/>
+          </a:xfrm>
+        </p:spPr>
+        <p:txBody>
+          <a:bodyPr>
+            <a:normAutofit/>
+          </a:bodyPr>
+          <a:lstStyle/>
+          <a:p>
+            <a:pPr marL="0" indent="0">
+              <a:buNone/>
+            </a:pPr>
+            <a:r>
+              <a:rPr lang="ru-RU" sz="2400" dirty="0"/>
+              <a:t>Основными структурными элементами реляционной таблицы являются поле и </a:t>
+            </a:r>
+            <a:r>
+              <a:rPr lang="ru-RU" sz="2400" dirty="0" smtClean="0"/>
+              <a:t>запись. Поле </a:t>
+            </a:r>
+            <a:r>
+              <a:rPr lang="ru-RU" sz="2400" dirty="0"/>
+              <a:t>(столбец реляционной таблицы) – элементарная единица логической организации данных, которая соответствует конкретному атрибуту информационного объекта. Запись (строка реляционной таблицы) – совокупность логически связанных полей, соответствующая конкретному экземпляру информационного </a:t>
+            </a:r>
+            <a:r>
+              <a:rPr lang="ru-RU" sz="2400" dirty="0" smtClean="0"/>
+              <a:t>объекта.</a:t>
+            </a:r>
+            <a:endParaRPr lang="ru-RU" sz="2400" dirty="0"/>
+          </a:p>
+        </p:txBody>
+      </p:sp>
+      <p:pic>
+        <p:nvPicPr>
+          <p:cNvPr id="4" name="Рисунок 3"/>
+          <p:cNvPicPr>
+            <a:picLocks noChangeAspect="1"/>
+          </p:cNvPicPr>
+          <p:nvPr/>
+        </p:nvPicPr>
+        <p:blipFill>
+          <a:blip r:embed="rId2"/>
+          <a:stretch>
+            <a:fillRect/>
+          </a:stretch>
+        </p:blipFill>
+        <p:spPr>
+          <a:xfrm>
+            <a:off x="5608320" y="4262399"/>
+            <a:ext cx="6114777" cy="2250932"/>
+          </a:xfrm>
+          <a:prstGeom prst="rect">
+            <a:avLst/>
+          </a:prstGeom>
+        </p:spPr>
+      </p:pic>
+    </p:spTree>
+    <p:extLst>
+      <p:ext uri="{BB962C8B-B14F-4D97-AF65-F5344CB8AC3E}">
+        <p14:creationId xmlns:p14="http://schemas.microsoft.com/office/powerpoint/2010/main" val="561910580"/>
       </p:ext>
     </p:extLst>
   </p:cSld>
